--- a/03-h-Mn/Pictures/RelaxMecanism.pptx
+++ b/03-h-Mn/Pictures/RelaxMecanism.pptx
@@ -288,7 +288,7 @@
           <a:p>
             <a:fld id="{8BB52A5D-3EF0-488B-897A-5CC4C344CDC1}" type="datetimeFigureOut">
               <a:rPr lang="fr-FR" smtClean="0"/>
-              <a:t>11/07/2017</a:t>
+              <a:t>12/07/2017</a:t>
             </a:fld>
             <a:endParaRPr lang="fr-FR"/>
           </a:p>
@@ -458,7 +458,7 @@
           <a:p>
             <a:fld id="{8BB52A5D-3EF0-488B-897A-5CC4C344CDC1}" type="datetimeFigureOut">
               <a:rPr lang="fr-FR" smtClean="0"/>
-              <a:t>11/07/2017</a:t>
+              <a:t>12/07/2017</a:t>
             </a:fld>
             <a:endParaRPr lang="fr-FR"/>
           </a:p>
@@ -638,7 +638,7 @@
           <a:p>
             <a:fld id="{8BB52A5D-3EF0-488B-897A-5CC4C344CDC1}" type="datetimeFigureOut">
               <a:rPr lang="fr-FR" smtClean="0"/>
-              <a:t>11/07/2017</a:t>
+              <a:t>12/07/2017</a:t>
             </a:fld>
             <a:endParaRPr lang="fr-FR"/>
           </a:p>
@@ -808,7 +808,7 @@
           <a:p>
             <a:fld id="{8BB52A5D-3EF0-488B-897A-5CC4C344CDC1}" type="datetimeFigureOut">
               <a:rPr lang="fr-FR" smtClean="0"/>
-              <a:t>11/07/2017</a:t>
+              <a:t>12/07/2017</a:t>
             </a:fld>
             <a:endParaRPr lang="fr-FR"/>
           </a:p>
@@ -1054,7 +1054,7 @@
           <a:p>
             <a:fld id="{8BB52A5D-3EF0-488B-897A-5CC4C344CDC1}" type="datetimeFigureOut">
               <a:rPr lang="fr-FR" smtClean="0"/>
-              <a:t>11/07/2017</a:t>
+              <a:t>12/07/2017</a:t>
             </a:fld>
             <a:endParaRPr lang="fr-FR"/>
           </a:p>
@@ -1342,7 +1342,7 @@
           <a:p>
             <a:fld id="{8BB52A5D-3EF0-488B-897A-5CC4C344CDC1}" type="datetimeFigureOut">
               <a:rPr lang="fr-FR" smtClean="0"/>
-              <a:t>11/07/2017</a:t>
+              <a:t>12/07/2017</a:t>
             </a:fld>
             <a:endParaRPr lang="fr-FR"/>
           </a:p>
@@ -1769,7 +1769,7 @@
           <a:p>
             <a:fld id="{8BB52A5D-3EF0-488B-897A-5CC4C344CDC1}" type="datetimeFigureOut">
               <a:rPr lang="fr-FR" smtClean="0"/>
-              <a:t>11/07/2017</a:t>
+              <a:t>12/07/2017</a:t>
             </a:fld>
             <a:endParaRPr lang="fr-FR"/>
           </a:p>
@@ -1887,7 +1887,7 @@
           <a:p>
             <a:fld id="{8BB52A5D-3EF0-488B-897A-5CC4C344CDC1}" type="datetimeFigureOut">
               <a:rPr lang="fr-FR" smtClean="0"/>
-              <a:t>11/07/2017</a:t>
+              <a:t>12/07/2017</a:t>
             </a:fld>
             <a:endParaRPr lang="fr-FR"/>
           </a:p>
@@ -1982,7 +1982,7 @@
           <a:p>
             <a:fld id="{8BB52A5D-3EF0-488B-897A-5CC4C344CDC1}" type="datetimeFigureOut">
               <a:rPr lang="fr-FR" smtClean="0"/>
-              <a:t>11/07/2017</a:t>
+              <a:t>12/07/2017</a:t>
             </a:fld>
             <a:endParaRPr lang="fr-FR"/>
           </a:p>
@@ -2259,7 +2259,7 @@
           <a:p>
             <a:fld id="{8BB52A5D-3EF0-488B-897A-5CC4C344CDC1}" type="datetimeFigureOut">
               <a:rPr lang="fr-FR" smtClean="0"/>
-              <a:t>11/07/2017</a:t>
+              <a:t>12/07/2017</a:t>
             </a:fld>
             <a:endParaRPr lang="fr-FR"/>
           </a:p>
@@ -2512,7 +2512,7 @@
           <a:p>
             <a:fld id="{8BB52A5D-3EF0-488B-897A-5CC4C344CDC1}" type="datetimeFigureOut">
               <a:rPr lang="fr-FR" smtClean="0"/>
-              <a:t>11/07/2017</a:t>
+              <a:t>12/07/2017</a:t>
             </a:fld>
             <a:endParaRPr lang="fr-FR"/>
           </a:p>
@@ -2725,7 +2725,7 @@
           <a:p>
             <a:fld id="{8BB52A5D-3EF0-488B-897A-5CC4C344CDC1}" type="datetimeFigureOut">
               <a:rPr lang="fr-FR" smtClean="0"/>
-              <a:t>11/07/2017</a:t>
+              <a:t>12/07/2017</a:t>
             </a:fld>
             <a:endParaRPr lang="fr-FR"/>
           </a:p>
@@ -3974,7 +3974,7 @@
           <p:spPr>
             <a:xfrm>
               <a:off x="10988694" y="37961141"/>
-              <a:ext cx="246645" cy="303239"/>
+              <a:ext cx="273138" cy="303446"/>
             </a:xfrm>
             <a:prstGeom prst="rect">
               <a:avLst/>
@@ -3988,12 +3988,19 @@
             <a:lstStyle/>
             <a:p>
               <a:r>
-                <a:rPr lang="fr-FR" sz="1800" dirty="0" smtClean="0">
+                <a:rPr lang="fr-FR" sz="1800" dirty="0" err="1" smtClean="0">
                   <a:latin typeface="Symbol" panose="05050102010706020507" pitchFamily="18" charset="2"/>
                 </a:rPr>
                 <a:t>t</a:t>
               </a:r>
-              <a:endParaRPr lang="fr-FR" sz="1800" dirty="0">
+              <a:r>
+                <a:rPr lang="fr-FR" sz="1800" baseline="-25000" dirty="0" err="1" smtClean="0">
+                  <a:latin typeface="Times New Roman" panose="02020603050405020304" pitchFamily="18" charset="0"/>
+                  <a:cs typeface="Times New Roman" panose="02020603050405020304" pitchFamily="18" charset="0"/>
+                </a:rPr>
+                <a:t>ff</a:t>
+              </a:r>
+              <a:endParaRPr lang="fr-FR" sz="1800" baseline="-25000" dirty="0">
                 <a:latin typeface="Symbol" panose="05050102010706020507" pitchFamily="18" charset="2"/>
               </a:endParaRPr>
             </a:p>
